--- a/yaron/Social Anxiety classifier.pptx
+++ b/yaron/Social Anxiety classifier.pptx
@@ -5856,7 +5856,7 @@
             <a:pPr marL="0" indent="0">
               <a:buNone/>
             </a:pPr>
-            <a:endParaRPr lang="he-IL" dirty="0"/>
+            <a:endParaRPr lang="he-IL" i="1" dirty="0"/>
           </a:p>
         </p:txBody>
       </p:sp>

--- a/yaron/Social Anxiety classifier.pptx
+++ b/yaron/Social Anxiety classifier.pptx
@@ -29,9 +29,12 @@
     <p:sldId id="285" r:id="rId23"/>
     <p:sldId id="294" r:id="rId24"/>
     <p:sldId id="296" r:id="rId25"/>
-    <p:sldId id="297" r:id="rId26"/>
-    <p:sldId id="298" r:id="rId27"/>
-    <p:sldId id="299" r:id="rId28"/>
+    <p:sldId id="301" r:id="rId26"/>
+    <p:sldId id="302" r:id="rId27"/>
+    <p:sldId id="303" r:id="rId28"/>
+    <p:sldId id="297" r:id="rId29"/>
+    <p:sldId id="298" r:id="rId30"/>
+    <p:sldId id="299" r:id="rId31"/>
   </p:sldIdLst>
   <p:sldSz cx="12192000" cy="6858000"/>
   <p:notesSz cx="6858000" cy="9144000"/>
@@ -287,7 +290,7 @@
           <a:p>
             <a:fld id="{AFA29044-20ED-4C85-A773-C8AE5074215F}" type="datetimeFigureOut">
               <a:rPr lang="he-IL" smtClean="0"/>
-              <a:t>ה'/שבט/תשע"ט</a:t>
+              <a:t>ח'/שבט/תשע"ט</a:t>
             </a:fld>
             <a:endParaRPr lang="he-IL"/>
           </a:p>
@@ -487,7 +490,7 @@
           <a:p>
             <a:fld id="{AFA29044-20ED-4C85-A773-C8AE5074215F}" type="datetimeFigureOut">
               <a:rPr lang="he-IL" smtClean="0"/>
-              <a:t>ה'/שבט/תשע"ט</a:t>
+              <a:t>ח'/שבט/תשע"ט</a:t>
             </a:fld>
             <a:endParaRPr lang="he-IL"/>
           </a:p>
@@ -697,7 +700,7 @@
           <a:p>
             <a:fld id="{AFA29044-20ED-4C85-A773-C8AE5074215F}" type="datetimeFigureOut">
               <a:rPr lang="he-IL" smtClean="0"/>
-              <a:t>ה'/שבט/תשע"ט</a:t>
+              <a:t>ח'/שבט/תשע"ט</a:t>
             </a:fld>
             <a:endParaRPr lang="he-IL"/>
           </a:p>
@@ -897,7 +900,7 @@
           <a:p>
             <a:fld id="{AFA29044-20ED-4C85-A773-C8AE5074215F}" type="datetimeFigureOut">
               <a:rPr lang="he-IL" smtClean="0"/>
-              <a:t>ה'/שבט/תשע"ט</a:t>
+              <a:t>ח'/שבט/תשע"ט</a:t>
             </a:fld>
             <a:endParaRPr lang="he-IL"/>
           </a:p>
@@ -1173,7 +1176,7 @@
           <a:p>
             <a:fld id="{AFA29044-20ED-4C85-A773-C8AE5074215F}" type="datetimeFigureOut">
               <a:rPr lang="he-IL" smtClean="0"/>
-              <a:t>ה'/שבט/תשע"ט</a:t>
+              <a:t>ח'/שבט/תשע"ט</a:t>
             </a:fld>
             <a:endParaRPr lang="he-IL"/>
           </a:p>
@@ -1441,7 +1444,7 @@
           <a:p>
             <a:fld id="{AFA29044-20ED-4C85-A773-C8AE5074215F}" type="datetimeFigureOut">
               <a:rPr lang="he-IL" smtClean="0"/>
-              <a:t>ה'/שבט/תשע"ט</a:t>
+              <a:t>ח'/שבט/תשע"ט</a:t>
             </a:fld>
             <a:endParaRPr lang="he-IL"/>
           </a:p>
@@ -1856,7 +1859,7 @@
           <a:p>
             <a:fld id="{AFA29044-20ED-4C85-A773-C8AE5074215F}" type="datetimeFigureOut">
               <a:rPr lang="he-IL" smtClean="0"/>
-              <a:t>ה'/שבט/תשע"ט</a:t>
+              <a:t>ח'/שבט/תשע"ט</a:t>
             </a:fld>
             <a:endParaRPr lang="he-IL"/>
           </a:p>
@@ -1998,7 +2001,7 @@
           <a:p>
             <a:fld id="{AFA29044-20ED-4C85-A773-C8AE5074215F}" type="datetimeFigureOut">
               <a:rPr lang="he-IL" smtClean="0"/>
-              <a:t>ה'/שבט/תשע"ט</a:t>
+              <a:t>ח'/שבט/תשע"ט</a:t>
             </a:fld>
             <a:endParaRPr lang="he-IL"/>
           </a:p>
@@ -2111,7 +2114,7 @@
           <a:p>
             <a:fld id="{AFA29044-20ED-4C85-A773-C8AE5074215F}" type="datetimeFigureOut">
               <a:rPr lang="he-IL" smtClean="0"/>
-              <a:t>ה'/שבט/תשע"ט</a:t>
+              <a:t>ח'/שבט/תשע"ט</a:t>
             </a:fld>
             <a:endParaRPr lang="he-IL"/>
           </a:p>
@@ -2424,7 +2427,7 @@
           <a:p>
             <a:fld id="{AFA29044-20ED-4C85-A773-C8AE5074215F}" type="datetimeFigureOut">
               <a:rPr lang="he-IL" smtClean="0"/>
-              <a:t>ה'/שבט/תשע"ט</a:t>
+              <a:t>ח'/שבט/תשע"ט</a:t>
             </a:fld>
             <a:endParaRPr lang="he-IL"/>
           </a:p>
@@ -2713,7 +2716,7 @@
           <a:p>
             <a:fld id="{AFA29044-20ED-4C85-A773-C8AE5074215F}" type="datetimeFigureOut">
               <a:rPr lang="he-IL" smtClean="0"/>
-              <a:t>ה'/שבט/תשע"ט</a:t>
+              <a:t>ח'/שבט/תשע"ט</a:t>
             </a:fld>
             <a:endParaRPr lang="he-IL"/>
           </a:p>
@@ -2956,7 +2959,7 @@
           <a:p>
             <a:fld id="{AFA29044-20ED-4C85-A773-C8AE5074215F}" type="datetimeFigureOut">
               <a:rPr lang="he-IL" smtClean="0"/>
-              <a:t>ה'/שבט/תשע"ט</a:t>
+              <a:t>ח'/שבט/תשע"ט</a:t>
             </a:fld>
             <a:endParaRPr lang="he-IL"/>
           </a:p>
@@ -3491,12 +3494,8 @@
           <a:lstStyle/>
           <a:p>
             <a:r>
-              <a:rPr lang="en-US" dirty="0" err="1"/>
-              <a:t>Unifomal</a:t>
-            </a:r>
-            <a:r>
-              <a:rPr lang="en-US" dirty="0"/>
-              <a:t> features</a:t>
+              <a:rPr lang="en-US" dirty="0"/>
+              <a:t>uniform features</a:t>
             </a:r>
           </a:p>
         </p:txBody>
@@ -3596,12 +3595,8 @@
           <a:lstStyle/>
           <a:p>
             <a:r>
-              <a:rPr lang="en-US" dirty="0" err="1"/>
-              <a:t>Unifomal</a:t>
-            </a:r>
-            <a:r>
-              <a:rPr lang="en-US" dirty="0"/>
-              <a:t> features</a:t>
+              <a:rPr lang="en-US" dirty="0"/>
+              <a:t>uniform features</a:t>
             </a:r>
           </a:p>
         </p:txBody>
@@ -3722,12 +3717,8 @@
           <a:lstStyle/>
           <a:p>
             <a:r>
-              <a:rPr lang="en-US" dirty="0" err="1"/>
-              <a:t>Unifomal</a:t>
-            </a:r>
-            <a:r>
-              <a:rPr lang="en-US" dirty="0"/>
-              <a:t> features</a:t>
+              <a:rPr lang="en-US" dirty="0"/>
+              <a:t>uniform features</a:t>
             </a:r>
           </a:p>
         </p:txBody>
@@ -3862,21 +3853,19 @@
           <a:p>
             <a:r>
               <a:rPr lang="en-US" dirty="0"/>
-              <a:t>Mean </a:t>
-            </a:r>
-            <a:r>
-              <a:rPr lang="en-US" dirty="0" err="1"/>
-              <a:t>imput</a:t>
-            </a:r>
-            <a:r>
-              <a:rPr lang="en-US" dirty="0"/>
-              <a:t>…</a:t>
-            </a:r>
-          </a:p>
-          <a:p>
-            <a:r>
-              <a:rPr lang="en-US" dirty="0"/>
-              <a:t>No scaling</a:t>
+              <a:t>Mean imputation for numeric </a:t>
+            </a:r>
+          </a:p>
+          <a:p>
+            <a:r>
+              <a:rPr lang="en-US" dirty="0"/>
+              <a:t>Mode imputation for categoric</a:t>
+            </a:r>
+          </a:p>
+          <a:p>
+            <a:r>
+              <a:rPr lang="en-US" dirty="0"/>
+              <a:t>No scaling needed</a:t>
             </a:r>
           </a:p>
         </p:txBody>
@@ -4034,7 +4023,7 @@
           <a:p>
             <a:r>
               <a:rPr lang="en-US" dirty="0"/>
-              <a:t>Only Little bit helped…</a:t>
+              <a:t>Only Little improved…</a:t>
             </a:r>
           </a:p>
           <a:p>
@@ -4254,37 +4243,119 @@
           <a:p>
             <a:r>
               <a:rPr lang="en-US" dirty="0"/>
-              <a:t>SMOTE </a:t>
+              <a:t>SMOTE: Synthetic Minority Over-sampling Technique</a:t>
             </a:r>
             <a:endParaRPr lang="he-IL" dirty="0"/>
           </a:p>
         </p:txBody>
       </p:sp>
-      <p:sp>
-        <p:nvSpPr>
-          <p:cNvPr id="3" name="Content Placeholder 2">
-            <a:extLst>
-              <a:ext uri="{FF2B5EF4-FFF2-40B4-BE49-F238E27FC236}">
-                <a16:creationId xmlns:a16="http://schemas.microsoft.com/office/drawing/2014/main" id="{41083F12-C569-46F3-A568-961F14C42299}"/>
-              </a:ext>
-            </a:extLst>
-          </p:cNvPr>
-          <p:cNvSpPr>
-            <a:spLocks noGrp="1"/>
-          </p:cNvSpPr>
-          <p:nvPr>
-            <p:ph idx="1"/>
-          </p:nvPr>
-        </p:nvSpPr>
-        <p:spPr/>
-        <p:txBody>
-          <a:bodyPr/>
-          <a:lstStyle/>
-          <a:p>
-            <a:endParaRPr lang="he-IL"/>
-          </a:p>
-        </p:txBody>
-      </p:sp>
+      <p:pic>
+        <p:nvPicPr>
+          <p:cNvPr id="4" name="Picture 3">
+            <a:extLst>
+              <a:ext uri="{FF2B5EF4-FFF2-40B4-BE49-F238E27FC236}">
+                <a16:creationId xmlns:a16="http://schemas.microsoft.com/office/drawing/2014/main" id="{1D56A342-DD1D-447F-903B-F5FA68C050F2}"/>
+              </a:ext>
+            </a:extLst>
+          </p:cNvPr>
+          <p:cNvPicPr>
+            <a:picLocks noChangeAspect="1"/>
+          </p:cNvPicPr>
+          <p:nvPr/>
+        </p:nvPicPr>
+        <p:blipFill>
+          <a:blip r:embed="rId2"/>
+          <a:stretch>
+            <a:fillRect/>
+          </a:stretch>
+        </p:blipFill>
+        <p:spPr>
+          <a:xfrm>
+            <a:off x="7750481" y="5124208"/>
+            <a:ext cx="4160231" cy="1325563"/>
+          </a:xfrm>
+          <a:prstGeom prst="rect">
+            <a:avLst/>
+          </a:prstGeom>
+        </p:spPr>
+      </p:pic>
+      <p:pic>
+        <p:nvPicPr>
+          <p:cNvPr id="2050" name="Picture 2" descr="×ª××¦××ª ×ª××× × ×¢×××¨ âªunbalanced dataâ¬â">
+            <a:extLst>
+              <a:ext uri="{FF2B5EF4-FFF2-40B4-BE49-F238E27FC236}">
+                <a16:creationId xmlns:a16="http://schemas.microsoft.com/office/drawing/2014/main" id="{32520FDA-A2F4-4173-8BC0-C14D2BB593CB}"/>
+              </a:ext>
+            </a:extLst>
+          </p:cNvPr>
+          <p:cNvPicPr>
+            <a:picLocks noChangeAspect="1" noChangeArrowheads="1"/>
+          </p:cNvPicPr>
+          <p:nvPr/>
+        </p:nvPicPr>
+        <p:blipFill>
+          <a:blip r:embed="rId3">
+            <a:extLst>
+              <a:ext uri="{28A0092B-C50C-407E-A947-70E740481C1C}">
+                <a14:useLocalDpi xmlns:a14="http://schemas.microsoft.com/office/drawing/2010/main" val="0"/>
+              </a:ext>
+            </a:extLst>
+          </a:blip>
+          <a:srcRect/>
+          <a:stretch>
+            <a:fillRect/>
+          </a:stretch>
+        </p:blipFill>
+        <p:spPr bwMode="auto">
+          <a:xfrm>
+            <a:off x="8273142" y="1733792"/>
+            <a:ext cx="3521455" cy="2341257"/>
+          </a:xfrm>
+          <a:prstGeom prst="rect">
+            <a:avLst/>
+          </a:prstGeom>
+          <a:noFill/>
+          <a:extLst>
+            <a:ext uri="{909E8E84-426E-40DD-AFC4-6F175D3DCCD1}">
+              <a14:hiddenFill xmlns:a14="http://schemas.microsoft.com/office/drawing/2010/main">
+                <a:solidFill>
+                  <a:srgbClr val="FFFFFF"/>
+                </a:solidFill>
+              </a14:hiddenFill>
+            </a:ext>
+          </a:extLst>
+        </p:spPr>
+      </p:pic>
+      <p:pic>
+        <p:nvPicPr>
+          <p:cNvPr id="7" name="Picture 6">
+            <a:extLst>
+              <a:ext uri="{FF2B5EF4-FFF2-40B4-BE49-F238E27FC236}">
+                <a16:creationId xmlns:a16="http://schemas.microsoft.com/office/drawing/2014/main" id="{86B62C83-4967-4E1C-9CAA-7E883C75B903}"/>
+              </a:ext>
+            </a:extLst>
+          </p:cNvPr>
+          <p:cNvPicPr>
+            <a:picLocks noChangeAspect="1"/>
+          </p:cNvPicPr>
+          <p:nvPr/>
+        </p:nvPicPr>
+        <p:blipFill>
+          <a:blip r:embed="rId4"/>
+          <a:stretch>
+            <a:fillRect/>
+          </a:stretch>
+        </p:blipFill>
+        <p:spPr>
+          <a:xfrm>
+            <a:off x="281288" y="3390416"/>
+            <a:ext cx="6820852" cy="3467584"/>
+          </a:xfrm>
+          <a:prstGeom prst="rect">
+            <a:avLst/>
+          </a:prstGeom>
+        </p:spPr>
+      </p:pic>
     </p:spTree>
     <p:extLst>
       <p:ext uri="{BB962C8B-B14F-4D97-AF65-F5344CB8AC3E}">
@@ -4403,31 +4474,126 @@
           </a:p>
         </p:txBody>
       </p:sp>
-      <p:sp>
-        <p:nvSpPr>
-          <p:cNvPr id="3" name="Content Placeholder 2">
-            <a:extLst>
-              <a:ext uri="{FF2B5EF4-FFF2-40B4-BE49-F238E27FC236}">
-                <a16:creationId xmlns:a16="http://schemas.microsoft.com/office/drawing/2014/main" id="{E79DC7FA-9BFD-447C-A3B5-664F2333BA8C}"/>
-              </a:ext>
-            </a:extLst>
-          </p:cNvPr>
-          <p:cNvSpPr>
-            <a:spLocks noGrp="1"/>
-          </p:cNvSpPr>
-          <p:nvPr>
-            <p:ph idx="1"/>
-          </p:nvPr>
-        </p:nvSpPr>
-        <p:spPr/>
-        <p:txBody>
-          <a:bodyPr/>
-          <a:lstStyle/>
-          <a:p>
-            <a:endParaRPr lang="he-IL" dirty="0"/>
-          </a:p>
-        </p:txBody>
-      </p:sp>
+      <p:pic>
+        <p:nvPicPr>
+          <p:cNvPr id="1026" name="Picture 2" descr="https://upload.wikimedia.org/wikipedia/commons/thumb/2/26/Precisionrecall.svg/350px-Precisionrecall.svg.png">
+            <a:extLst>
+              <a:ext uri="{FF2B5EF4-FFF2-40B4-BE49-F238E27FC236}">
+                <a16:creationId xmlns:a16="http://schemas.microsoft.com/office/drawing/2014/main" id="{94E86503-3D89-440C-8D6F-612F0EF8B8CA}"/>
+              </a:ext>
+            </a:extLst>
+          </p:cNvPr>
+          <p:cNvPicPr>
+            <a:picLocks noChangeAspect="1" noChangeArrowheads="1"/>
+          </p:cNvPicPr>
+          <p:nvPr/>
+        </p:nvPicPr>
+        <p:blipFill rotWithShape="1">
+          <a:blip r:embed="rId2">
+            <a:extLst>
+              <a:ext uri="{28A0092B-C50C-407E-A947-70E740481C1C}">
+                <a14:useLocalDpi xmlns:a14="http://schemas.microsoft.com/office/drawing/2010/main" val="0"/>
+              </a:ext>
+            </a:extLst>
+          </a:blip>
+          <a:srcRect b="32351"/>
+          <a:stretch/>
+        </p:blipFill>
+        <p:spPr bwMode="auto">
+          <a:xfrm>
+            <a:off x="6344350" y="575662"/>
+            <a:ext cx="4642304" cy="5706676"/>
+          </a:xfrm>
+          <a:prstGeom prst="rect">
+            <a:avLst/>
+          </a:prstGeom>
+          <a:noFill/>
+          <a:extLst>
+            <a:ext uri="{909E8E84-426E-40DD-AFC4-6F175D3DCCD1}">
+              <a14:hiddenFill xmlns:a14="http://schemas.microsoft.com/office/drawing/2010/main">
+                <a:solidFill>
+                  <a:srgbClr val="FFFFFF"/>
+                </a:solidFill>
+              </a14:hiddenFill>
+            </a:ext>
+          </a:extLst>
+        </p:spPr>
+      </p:pic>
+      <p:pic>
+        <p:nvPicPr>
+          <p:cNvPr id="1028" name="Picture 4" descr="https://upload.wikimedia.org/wikipedia/commons/thumb/2/26/Precisionrecall.svg/350px-Precisionrecall.svg.png">
+            <a:extLst>
+              <a:ext uri="{FF2B5EF4-FFF2-40B4-BE49-F238E27FC236}">
+                <a16:creationId xmlns:a16="http://schemas.microsoft.com/office/drawing/2014/main" id="{53093DC9-813C-4CCE-9906-3AD872F59E7C}"/>
+              </a:ext>
+            </a:extLst>
+          </p:cNvPr>
+          <p:cNvPicPr>
+            <a:picLocks noChangeAspect="1" noChangeArrowheads="1"/>
+          </p:cNvPicPr>
+          <p:nvPr/>
+        </p:nvPicPr>
+        <p:blipFill rotWithShape="1">
+          <a:blip r:embed="rId2">
+            <a:extLst>
+              <a:ext uri="{28A0092B-C50C-407E-A947-70E740481C1C}">
+                <a14:useLocalDpi xmlns:a14="http://schemas.microsoft.com/office/drawing/2010/main" val="0"/>
+              </a:ext>
+            </a:extLst>
+          </a:blip>
+          <a:srcRect t="65993" r="367"/>
+          <a:stretch/>
+        </p:blipFill>
+        <p:spPr bwMode="auto">
+          <a:xfrm>
+            <a:off x="1205346" y="2558274"/>
+            <a:ext cx="5321177" cy="3300393"/>
+          </a:xfrm>
+          <a:prstGeom prst="rect">
+            <a:avLst/>
+          </a:prstGeom>
+          <a:noFill/>
+          <a:extLst>
+            <a:ext uri="{909E8E84-426E-40DD-AFC4-6F175D3DCCD1}">
+              <a14:hiddenFill xmlns:a14="http://schemas.microsoft.com/office/drawing/2010/main">
+                <a:solidFill>
+                  <a:srgbClr val="FFFFFF"/>
+                </a:solidFill>
+              </a14:hiddenFill>
+            </a:ext>
+          </a:extLst>
+        </p:spPr>
+      </p:pic>
+      <p:pic>
+        <p:nvPicPr>
+          <p:cNvPr id="4" name="Picture 3">
+            <a:extLst>
+              <a:ext uri="{FF2B5EF4-FFF2-40B4-BE49-F238E27FC236}">
+                <a16:creationId xmlns:a16="http://schemas.microsoft.com/office/drawing/2014/main" id="{ED4CF893-589B-483B-A93C-F392D2165E15}"/>
+              </a:ext>
+            </a:extLst>
+          </p:cNvPr>
+          <p:cNvPicPr>
+            <a:picLocks noChangeAspect="1"/>
+          </p:cNvPicPr>
+          <p:nvPr/>
+        </p:nvPicPr>
+        <p:blipFill>
+          <a:blip r:embed="rId3"/>
+          <a:stretch>
+            <a:fillRect/>
+          </a:stretch>
+        </p:blipFill>
+        <p:spPr>
+          <a:xfrm>
+            <a:off x="728196" y="1510842"/>
+            <a:ext cx="5249008" cy="714475"/>
+          </a:xfrm>
+          <a:prstGeom prst="rect">
+            <a:avLst/>
+          </a:prstGeom>
+        </p:spPr>
+      </p:pic>
     </p:spTree>
     <p:extLst>
       <p:ext uri="{BB962C8B-B14F-4D97-AF65-F5344CB8AC3E}">
@@ -4528,15 +4694,6 @@
           <a:p>
             <a:endParaRPr lang="en-US" dirty="0"/>
           </a:p>
-          <a:p>
-            <a:r>
-              <a:rPr lang="en-US" dirty="0">
-                <a:sym typeface="Wingdings" panose="05000000000000000000" pitchFamily="2" charset="2"/>
-              </a:rPr>
-              <a:t></a:t>
-            </a:r>
-            <a:endParaRPr lang="en-US" dirty="0"/>
-          </a:p>
         </p:txBody>
       </p:sp>
     </p:spTree>
@@ -4710,14 +4867,19 @@
             <p:ph type="title"/>
           </p:nvPr>
         </p:nvSpPr>
-        <p:spPr/>
-        <p:txBody>
-          <a:bodyPr/>
-          <a:lstStyle/>
-          <a:p>
-            <a:r>
-              <a:rPr lang="en-US" dirty="0"/>
-              <a:t>List of the algorithms</a:t>
+        <p:spPr>
+          <a:xfrm>
+            <a:off x="838200" y="365125"/>
+            <a:ext cx="10515600" cy="1325563"/>
+          </a:xfrm>
+        </p:spPr>
+        <p:txBody>
+          <a:bodyPr/>
+          <a:lstStyle/>
+          <a:p>
+            <a:r>
+              <a:rPr lang="en-US" dirty="0"/>
+              <a:t>The algorithms</a:t>
             </a:r>
             <a:endParaRPr lang="he-IL" dirty="0"/>
           </a:p>
@@ -4739,7 +4901,12 @@
             <p:ph idx="1"/>
           </p:nvPr>
         </p:nvSpPr>
-        <p:spPr/>
+        <p:spPr>
+          <a:xfrm>
+            <a:off x="1070263" y="1517361"/>
+            <a:ext cx="10515600" cy="1111539"/>
+          </a:xfrm>
+        </p:spPr>
         <p:txBody>
           <a:bodyPr/>
           <a:lstStyle/>
@@ -4757,6 +4924,10 @@
               <a:buNone/>
             </a:pPr>
             <a:r>
+              <a:rPr lang="en-US" altLang="he-IL" dirty="0"/>
+              <a:t>1. </a:t>
+            </a:r>
+            <a:r>
               <a:rPr lang="he-IL" altLang="he-IL" dirty="0" err="1"/>
               <a:t>Logistic</a:t>
             </a:r>
@@ -4768,21 +4939,18 @@
               <a:rPr lang="he-IL" altLang="he-IL" dirty="0" err="1"/>
               <a:t>Regression</a:t>
             </a:r>
-            <a:endParaRPr lang="en-US" altLang="he-IL" dirty="0"/>
-          </a:p>
-          <a:p>
-            <a:pPr marL="0" lvl="0" indent="0" eaLnBrk="0" fontAlgn="base" hangingPunct="0">
-              <a:lnSpc>
-                <a:spcPct val="100000"/>
-              </a:lnSpc>
-              <a:spcBef>
-                <a:spcPct val="0"/>
-              </a:spcBef>
-              <a:spcAft>
-                <a:spcPct val="0"/>
-              </a:spcAft>
-              <a:buNone/>
-            </a:pPr>
+            <a:r>
+              <a:rPr lang="en-US" altLang="he-IL" dirty="0"/>
+              <a:t>  </a:t>
+            </a:r>
+            <a:r>
+              <a:rPr lang="he-IL" altLang="he-IL" dirty="0"/>
+              <a:t>				2</a:t>
+            </a:r>
+            <a:r>
+              <a:rPr lang="en-US" altLang="he-IL" dirty="0"/>
+              <a:t>. </a:t>
+            </a:r>
             <a:r>
               <a:rPr lang="he-IL" altLang="he-IL" dirty="0" err="1"/>
               <a:t>Random</a:t>
@@ -4799,6 +4967,100 @@
           </a:p>
         </p:txBody>
       </p:sp>
+      <p:pic>
+        <p:nvPicPr>
+          <p:cNvPr id="4098" name="Picture 2" descr="×ª××¦××ª ×ª××× × ×¢×××¨ âªrandom forestâ¬â">
+            <a:extLst>
+              <a:ext uri="{FF2B5EF4-FFF2-40B4-BE49-F238E27FC236}">
+                <a16:creationId xmlns:a16="http://schemas.microsoft.com/office/drawing/2014/main" id="{7E3885B3-E913-4C09-A35B-8518DB148D11}"/>
+              </a:ext>
+            </a:extLst>
+          </p:cNvPr>
+          <p:cNvPicPr>
+            <a:picLocks noChangeAspect="1" noChangeArrowheads="1"/>
+          </p:cNvPicPr>
+          <p:nvPr/>
+        </p:nvPicPr>
+        <p:blipFill>
+          <a:blip r:embed="rId2">
+            <a:extLst>
+              <a:ext uri="{28A0092B-C50C-407E-A947-70E740481C1C}">
+                <a14:useLocalDpi xmlns:a14="http://schemas.microsoft.com/office/drawing/2010/main" val="0"/>
+              </a:ext>
+            </a:extLst>
+          </a:blip>
+          <a:srcRect/>
+          <a:stretch>
+            <a:fillRect/>
+          </a:stretch>
+        </p:blipFill>
+        <p:spPr bwMode="auto">
+          <a:xfrm>
+            <a:off x="6342742" y="2628900"/>
+            <a:ext cx="5638800" cy="4229100"/>
+          </a:xfrm>
+          <a:prstGeom prst="rect">
+            <a:avLst/>
+          </a:prstGeom>
+          <a:noFill/>
+          <a:extLst>
+            <a:ext uri="{909E8E84-426E-40DD-AFC4-6F175D3DCCD1}">
+              <a14:hiddenFill xmlns:a14="http://schemas.microsoft.com/office/drawing/2010/main">
+                <a:solidFill>
+                  <a:srgbClr val="FFFFFF"/>
+                </a:solidFill>
+              </a14:hiddenFill>
+            </a:ext>
+          </a:extLst>
+        </p:spPr>
+      </p:pic>
+      <p:pic>
+        <p:nvPicPr>
+          <p:cNvPr id="4102" name="Picture 6" descr="×ª××¦××ª ×ª××× × ×¢×××¨ âªlogistic regressionâ¬â">
+            <a:extLst>
+              <a:ext uri="{FF2B5EF4-FFF2-40B4-BE49-F238E27FC236}">
+                <a16:creationId xmlns:a16="http://schemas.microsoft.com/office/drawing/2014/main" id="{76D7AFA0-CB12-433C-9566-E60811A344F5}"/>
+              </a:ext>
+            </a:extLst>
+          </p:cNvPr>
+          <p:cNvPicPr>
+            <a:picLocks noChangeAspect="1" noChangeArrowheads="1"/>
+          </p:cNvPicPr>
+          <p:nvPr/>
+        </p:nvPicPr>
+        <p:blipFill>
+          <a:blip r:embed="rId3">
+            <a:extLst>
+              <a:ext uri="{28A0092B-C50C-407E-A947-70E740481C1C}">
+                <a14:useLocalDpi xmlns:a14="http://schemas.microsoft.com/office/drawing/2010/main" val="0"/>
+              </a:ext>
+            </a:extLst>
+          </a:blip>
+          <a:srcRect/>
+          <a:stretch>
+            <a:fillRect/>
+          </a:stretch>
+        </p:blipFill>
+        <p:spPr bwMode="auto">
+          <a:xfrm>
+            <a:off x="1070263" y="2242127"/>
+            <a:ext cx="4069773" cy="4069773"/>
+          </a:xfrm>
+          <a:prstGeom prst="rect">
+            <a:avLst/>
+          </a:prstGeom>
+          <a:noFill/>
+          <a:extLst>
+            <a:ext uri="{909E8E84-426E-40DD-AFC4-6F175D3DCCD1}">
+              <a14:hiddenFill xmlns:a14="http://schemas.microsoft.com/office/drawing/2010/main">
+                <a:solidFill>
+                  <a:srgbClr val="FFFFFF"/>
+                </a:solidFill>
+              </a14:hiddenFill>
+            </a:ext>
+          </a:extLst>
+        </p:spPr>
+      </p:pic>
     </p:spTree>
     <p:extLst>
       <p:ext uri="{BB962C8B-B14F-4D97-AF65-F5344CB8AC3E}">
@@ -5185,6 +5447,34 @@
             <a:pPr marL="0" indent="0">
               <a:buNone/>
             </a:pPr>
+            <a:endParaRPr lang="en-US" b="1" dirty="0"/>
+          </a:p>
+          <a:p>
+            <a:pPr marL="0" indent="0">
+              <a:buNone/>
+            </a:pPr>
+            <a:endParaRPr lang="en-US" b="1" dirty="0"/>
+          </a:p>
+          <a:p>
+            <a:pPr marL="0" indent="0">
+              <a:buNone/>
+            </a:pPr>
+            <a:endParaRPr lang="en-US" b="1" dirty="0"/>
+          </a:p>
+          <a:p>
+            <a:pPr marL="0" indent="0">
+              <a:buNone/>
+            </a:pPr>
+            <a:endParaRPr lang="en-US" b="1" dirty="0"/>
+          </a:p>
+          <a:p>
+            <a:pPr marL="0" indent="0">
+              <a:buNone/>
+            </a:pPr>
+            <a:r>
+              <a:rPr lang="en-US" b="1" dirty="0"/>
+              <a:t>With PCA before SMOTE</a:t>
+            </a:r>
             <a:endParaRPr lang="he-IL" b="1" dirty="0"/>
           </a:p>
         </p:txBody>
@@ -5213,6 +5503,36 @@
           <a:xfrm>
             <a:off x="727363" y="2167788"/>
             <a:ext cx="5154865" cy="1475298"/>
+          </a:xfrm>
+          <a:prstGeom prst="rect">
+            <a:avLst/>
+          </a:prstGeom>
+        </p:spPr>
+      </p:pic>
+      <p:pic>
+        <p:nvPicPr>
+          <p:cNvPr id="4" name="Picture 3">
+            <a:extLst>
+              <a:ext uri="{FF2B5EF4-FFF2-40B4-BE49-F238E27FC236}">
+                <a16:creationId xmlns:a16="http://schemas.microsoft.com/office/drawing/2014/main" id="{375F7E50-ED5F-4AEB-A1F4-E8256FA4C687}"/>
+              </a:ext>
+            </a:extLst>
+          </p:cNvPr>
+          <p:cNvPicPr>
+            <a:picLocks noChangeAspect="1"/>
+          </p:cNvPicPr>
+          <p:nvPr/>
+        </p:nvPicPr>
+        <p:blipFill>
+          <a:blip r:embed="rId3"/>
+          <a:stretch>
+            <a:fillRect/>
+          </a:stretch>
+        </p:blipFill>
+        <p:spPr>
+          <a:xfrm>
+            <a:off x="727363" y="4738461"/>
+            <a:ext cx="5350962" cy="1754414"/>
           </a:xfrm>
           <a:prstGeom prst="rect">
             <a:avLst/>
@@ -5296,12 +5616,108 @@
         </p:nvSpPr>
         <p:spPr/>
         <p:txBody>
-          <a:bodyPr/>
-          <a:lstStyle/>
-          <a:p>
-            <a:r>
-              <a:rPr lang="en-US" dirty="0"/>
-              <a:t>Random forest – </a:t>
+          <a:bodyPr>
+            <a:normAutofit/>
+          </a:bodyPr>
+          <a:lstStyle/>
+          <a:p>
+            <a:r>
+              <a:rPr lang="he-IL" altLang="he-IL" sz="2700" dirty="0" err="1">
+                <a:hlinkClick r:id="rId2" tooltip="sklearn.linear_model.LogisticRegression"/>
+              </a:rPr>
+              <a:t>LogisticRegression</a:t>
+            </a:r>
+            <a:r>
+              <a:rPr lang="he-IL" altLang="he-IL" sz="2700" dirty="0"/>
+              <a:t> </a:t>
+            </a:r>
+            <a:r>
+              <a:rPr lang="he-IL" altLang="he-IL" sz="2700" dirty="0" err="1"/>
+              <a:t>returns</a:t>
+            </a:r>
+            <a:r>
+              <a:rPr lang="he-IL" altLang="he-IL" sz="2700" dirty="0"/>
+              <a:t> </a:t>
+            </a:r>
+            <a:r>
+              <a:rPr lang="he-IL" altLang="he-IL" sz="2700" dirty="0" err="1"/>
+              <a:t>well</a:t>
+            </a:r>
+            <a:r>
+              <a:rPr lang="he-IL" altLang="he-IL" sz="2700" dirty="0"/>
+              <a:t> </a:t>
+            </a:r>
+            <a:r>
+              <a:rPr lang="he-IL" altLang="he-IL" sz="2700" dirty="0" err="1"/>
+              <a:t>calibrated</a:t>
+            </a:r>
+            <a:r>
+              <a:rPr lang="he-IL" altLang="he-IL" sz="2700" dirty="0"/>
+              <a:t> </a:t>
+            </a:r>
+            <a:r>
+              <a:rPr lang="he-IL" altLang="he-IL" sz="2700" dirty="0" err="1"/>
+              <a:t>predictions</a:t>
+            </a:r>
+            <a:r>
+              <a:rPr lang="he-IL" altLang="he-IL" sz="2700" dirty="0"/>
+              <a:t> </a:t>
+            </a:r>
+            <a:r>
+              <a:rPr lang="he-IL" altLang="he-IL" sz="2700" dirty="0" err="1"/>
+              <a:t>by</a:t>
+            </a:r>
+            <a:r>
+              <a:rPr lang="he-IL" altLang="he-IL" sz="2700" dirty="0"/>
+              <a:t> </a:t>
+            </a:r>
+            <a:r>
+              <a:rPr lang="he-IL" altLang="he-IL" sz="2700" dirty="0" err="1"/>
+              <a:t>default</a:t>
+            </a:r>
+            <a:r>
+              <a:rPr lang="he-IL" altLang="he-IL" sz="2700" dirty="0"/>
+              <a:t> </a:t>
+            </a:r>
+            <a:r>
+              <a:rPr lang="he-IL" altLang="he-IL" sz="2700" dirty="0" err="1"/>
+              <a:t>as</a:t>
+            </a:r>
+            <a:r>
+              <a:rPr lang="he-IL" altLang="he-IL" sz="2700" dirty="0"/>
+              <a:t> </a:t>
+            </a:r>
+            <a:r>
+              <a:rPr lang="he-IL" altLang="he-IL" sz="2700" dirty="0" err="1"/>
+              <a:t>it</a:t>
+            </a:r>
+            <a:r>
+              <a:rPr lang="he-IL" altLang="he-IL" sz="2700" dirty="0"/>
+              <a:t> </a:t>
+            </a:r>
+            <a:r>
+              <a:rPr lang="he-IL" altLang="he-IL" sz="2700" dirty="0" err="1"/>
+              <a:t>directly</a:t>
+            </a:r>
+            <a:r>
+              <a:rPr lang="he-IL" altLang="he-IL" sz="2700" dirty="0"/>
+              <a:t> </a:t>
+            </a:r>
+            <a:r>
+              <a:rPr lang="he-IL" altLang="he-IL" sz="2700" dirty="0" err="1"/>
+              <a:t>optimizes</a:t>
+            </a:r>
+            <a:r>
+              <a:rPr lang="he-IL" altLang="he-IL" sz="2700" dirty="0"/>
+              <a:t> </a:t>
+            </a:r>
+            <a:r>
+              <a:rPr lang="he-IL" altLang="he-IL" sz="2700" dirty="0" err="1"/>
+              <a:t>log-loss</a:t>
+            </a:r>
+            <a:r>
+              <a:rPr lang="he-IL" altLang="he-IL" sz="2700" dirty="0"/>
+              <a:t>. </a:t>
             </a:r>
           </a:p>
           <a:p>
@@ -5309,18 +5725,570 @@
           </a:p>
           <a:p>
             <a:r>
-              <a:rPr lang="en-US" dirty="0" err="1"/>
-              <a:t>LogReg</a:t>
-            </a:r>
-            <a:r>
-              <a:rPr lang="en-US" dirty="0"/>
-              <a:t> – almost </a:t>
-            </a:r>
-            <a:r>
-              <a:rPr lang="en-US" dirty="0" err="1"/>
-              <a:t>direcedly</a:t>
-            </a:r>
-            <a:endParaRPr lang="he-IL" dirty="0"/>
+              <a:rPr lang="he-IL" altLang="he-IL" dirty="0" err="1">
+                <a:hlinkClick r:id="rId3" tooltip="sklearn.ensemble.RandomForestClassifier"/>
+              </a:rPr>
+              <a:t>RandomForestClassifier</a:t>
+            </a:r>
+            <a:r>
+              <a:rPr lang="he-IL" altLang="he-IL" dirty="0"/>
+              <a:t> </a:t>
+            </a:r>
+            <a:r>
+              <a:rPr lang="he-IL" altLang="he-IL" dirty="0" err="1"/>
+              <a:t>histograms</a:t>
+            </a:r>
+            <a:r>
+              <a:rPr lang="he-IL" altLang="he-IL" dirty="0"/>
+              <a:t> </a:t>
+            </a:r>
+            <a:r>
+              <a:rPr lang="he-IL" altLang="he-IL" dirty="0" err="1"/>
+              <a:t>show</a:t>
+            </a:r>
+            <a:r>
+              <a:rPr lang="he-IL" altLang="he-IL" dirty="0"/>
+              <a:t> </a:t>
+            </a:r>
+            <a:r>
+              <a:rPr lang="he-IL" altLang="he-IL" dirty="0" err="1"/>
+              <a:t>peaks</a:t>
+            </a:r>
+            <a:r>
+              <a:rPr lang="he-IL" altLang="he-IL" dirty="0"/>
+              <a:t> </a:t>
+            </a:r>
+            <a:r>
+              <a:rPr lang="he-IL" altLang="he-IL" dirty="0" err="1"/>
+              <a:t>at</a:t>
+            </a:r>
+            <a:r>
+              <a:rPr lang="he-IL" altLang="he-IL" dirty="0"/>
+              <a:t> </a:t>
+            </a:r>
+            <a:r>
+              <a:rPr lang="he-IL" altLang="he-IL" dirty="0" err="1"/>
+              <a:t>approximately</a:t>
+            </a:r>
+            <a:r>
+              <a:rPr lang="he-IL" altLang="he-IL" dirty="0"/>
+              <a:t> 0.2 </a:t>
+            </a:r>
+            <a:r>
+              <a:rPr lang="he-IL" altLang="he-IL" dirty="0" err="1"/>
+              <a:t>and</a:t>
+            </a:r>
+            <a:r>
+              <a:rPr lang="he-IL" altLang="he-IL" dirty="0"/>
+              <a:t> 0.9 </a:t>
+            </a:r>
+            <a:r>
+              <a:rPr lang="he-IL" altLang="he-IL" dirty="0" err="1"/>
+              <a:t>probability</a:t>
+            </a:r>
+            <a:r>
+              <a:rPr lang="he-IL" altLang="he-IL" dirty="0"/>
+              <a:t>, </a:t>
+            </a:r>
+            <a:r>
+              <a:rPr lang="he-IL" altLang="he-IL" dirty="0" err="1"/>
+              <a:t>while</a:t>
+            </a:r>
+            <a:r>
+              <a:rPr lang="he-IL" altLang="he-IL" dirty="0"/>
+              <a:t> </a:t>
+            </a:r>
+            <a:r>
+              <a:rPr lang="he-IL" altLang="he-IL" dirty="0" err="1"/>
+              <a:t>probabilities</a:t>
+            </a:r>
+            <a:r>
+              <a:rPr lang="he-IL" altLang="he-IL" dirty="0"/>
+              <a:t> </a:t>
+            </a:r>
+            <a:r>
+              <a:rPr lang="he-IL" altLang="he-IL" dirty="0" err="1"/>
+              <a:t>close</a:t>
+            </a:r>
+            <a:r>
+              <a:rPr lang="he-IL" altLang="he-IL" dirty="0"/>
+              <a:t> </a:t>
+            </a:r>
+            <a:r>
+              <a:rPr lang="he-IL" altLang="he-IL" dirty="0" err="1"/>
+              <a:t>to</a:t>
+            </a:r>
+            <a:r>
+              <a:rPr lang="he-IL" altLang="he-IL" dirty="0"/>
+              <a:t> 0 </a:t>
+            </a:r>
+            <a:r>
+              <a:rPr lang="he-IL" altLang="he-IL" dirty="0" err="1"/>
+              <a:t>or</a:t>
+            </a:r>
+            <a:r>
+              <a:rPr lang="he-IL" altLang="he-IL" dirty="0"/>
+              <a:t> 1 </a:t>
+            </a:r>
+            <a:r>
+              <a:rPr lang="he-IL" altLang="he-IL" dirty="0" err="1"/>
+              <a:t>are</a:t>
+            </a:r>
+            <a:r>
+              <a:rPr lang="he-IL" altLang="he-IL" dirty="0"/>
+              <a:t> </a:t>
+            </a:r>
+            <a:r>
+              <a:rPr lang="he-IL" altLang="he-IL" dirty="0" err="1"/>
+              <a:t>very</a:t>
+            </a:r>
+            <a:r>
+              <a:rPr lang="he-IL" altLang="he-IL" dirty="0"/>
+              <a:t> </a:t>
+            </a:r>
+            <a:r>
+              <a:rPr lang="he-IL" altLang="he-IL" dirty="0" err="1"/>
+              <a:t>rare</a:t>
+            </a:r>
+            <a:r>
+              <a:rPr lang="he-IL" altLang="he-IL" dirty="0"/>
+              <a:t>. </a:t>
+            </a:r>
+          </a:p>
+          <a:p>
+            <a:endParaRPr lang="en-US" dirty="0"/>
+          </a:p>
+        </p:txBody>
+      </p:sp>
+      <p:sp>
+        <p:nvSpPr>
+          <p:cNvPr id="5" name="Rectangle 2">
+            <a:extLst>
+              <a:ext uri="{FF2B5EF4-FFF2-40B4-BE49-F238E27FC236}">
+                <a16:creationId xmlns:a16="http://schemas.microsoft.com/office/drawing/2014/main" id="{2E61E6FA-2FF3-4328-85A8-85B63ADA175D}"/>
+              </a:ext>
+            </a:extLst>
+          </p:cNvPr>
+          <p:cNvSpPr>
+            <a:spLocks noChangeArrowheads="1"/>
+          </p:cNvSpPr>
+          <p:nvPr/>
+        </p:nvSpPr>
+        <p:spPr bwMode="auto">
+          <a:xfrm>
+            <a:off x="0" y="-184666"/>
+            <a:ext cx="12192000" cy="369332"/>
+          </a:xfrm>
+          <a:prstGeom prst="rect">
+            <a:avLst/>
+          </a:prstGeom>
+          <a:solidFill>
+            <a:srgbClr val="FFFFFF"/>
+          </a:solidFill>
+          <a:ln>
+            <a:noFill/>
+          </a:ln>
+          <a:effectLst/>
+          <a:extLst>
+            <a:ext uri="{91240B29-F687-4F45-9708-019B960494DF}">
+              <a14:hiddenLine xmlns:a14="http://schemas.microsoft.com/office/drawing/2010/main" w="9525">
+                <a:solidFill>
+                  <a:schemeClr val="tx1"/>
+                </a:solidFill>
+                <a:miter lim="800000"/>
+                <a:headEnd/>
+                <a:tailEnd/>
+              </a14:hiddenLine>
+            </a:ext>
+            <a:ext uri="{AF507438-7753-43E0-B8FC-AC1667EBCBE1}">
+              <a14:hiddenEffects xmlns:a14="http://schemas.microsoft.com/office/drawing/2010/main">
+                <a:effectLst>
+                  <a:outerShdw dist="35921" dir="2700000" algn="ctr" rotWithShape="0">
+                    <a:schemeClr val="bg2"/>
+                  </a:outerShdw>
+                </a:effectLst>
+              </a14:hiddenEffects>
+            </a:ext>
+          </a:extLst>
+        </p:spPr>
+        <p:txBody>
+          <a:bodyPr vert="horz" wrap="square" lIns="91440" tIns="45720" rIns="91440" bIns="45720" numCol="1" anchor="ctr" anchorCtr="0" compatLnSpc="1">
+            <a:prstTxWarp prst="textNoShape">
+              <a:avLst/>
+            </a:prstTxWarp>
+            <a:spAutoFit/>
+          </a:bodyPr>
+          <a:lstStyle>
+            <a:lvl1pPr eaLnBrk="0" fontAlgn="base" hangingPunct="0">
+              <a:spcBef>
+                <a:spcPct val="0"/>
+              </a:spcBef>
+              <a:spcAft>
+                <a:spcPct val="0"/>
+              </a:spcAft>
+              <a:defRPr>
+                <a:solidFill>
+                  <a:schemeClr val="tx1"/>
+                </a:solidFill>
+                <a:latin typeface="Arial" panose="020B0604020202020204" pitchFamily="34" charset="0"/>
+              </a:defRPr>
+            </a:lvl1pPr>
+            <a:lvl2pPr eaLnBrk="0" fontAlgn="base" hangingPunct="0">
+              <a:spcBef>
+                <a:spcPct val="0"/>
+              </a:spcBef>
+              <a:spcAft>
+                <a:spcPct val="0"/>
+              </a:spcAft>
+              <a:defRPr>
+                <a:solidFill>
+                  <a:schemeClr val="tx1"/>
+                </a:solidFill>
+                <a:latin typeface="Arial" panose="020B0604020202020204" pitchFamily="34" charset="0"/>
+              </a:defRPr>
+            </a:lvl2pPr>
+            <a:lvl3pPr eaLnBrk="0" fontAlgn="base" hangingPunct="0">
+              <a:spcBef>
+                <a:spcPct val="0"/>
+              </a:spcBef>
+              <a:spcAft>
+                <a:spcPct val="0"/>
+              </a:spcAft>
+              <a:defRPr>
+                <a:solidFill>
+                  <a:schemeClr val="tx1"/>
+                </a:solidFill>
+                <a:latin typeface="Arial" panose="020B0604020202020204" pitchFamily="34" charset="0"/>
+              </a:defRPr>
+            </a:lvl3pPr>
+            <a:lvl4pPr eaLnBrk="0" fontAlgn="base" hangingPunct="0">
+              <a:spcBef>
+                <a:spcPct val="0"/>
+              </a:spcBef>
+              <a:spcAft>
+                <a:spcPct val="0"/>
+              </a:spcAft>
+              <a:defRPr>
+                <a:solidFill>
+                  <a:schemeClr val="tx1"/>
+                </a:solidFill>
+                <a:latin typeface="Arial" panose="020B0604020202020204" pitchFamily="34" charset="0"/>
+              </a:defRPr>
+            </a:lvl4pPr>
+            <a:lvl5pPr eaLnBrk="0" fontAlgn="base" hangingPunct="0">
+              <a:spcBef>
+                <a:spcPct val="0"/>
+              </a:spcBef>
+              <a:spcAft>
+                <a:spcPct val="0"/>
+              </a:spcAft>
+              <a:defRPr>
+                <a:solidFill>
+                  <a:schemeClr val="tx1"/>
+                </a:solidFill>
+                <a:latin typeface="Arial" panose="020B0604020202020204" pitchFamily="34" charset="0"/>
+              </a:defRPr>
+            </a:lvl5pPr>
+            <a:lvl6pPr eaLnBrk="0" fontAlgn="base" hangingPunct="0">
+              <a:spcBef>
+                <a:spcPct val="0"/>
+              </a:spcBef>
+              <a:spcAft>
+                <a:spcPct val="0"/>
+              </a:spcAft>
+              <a:defRPr>
+                <a:solidFill>
+                  <a:schemeClr val="tx1"/>
+                </a:solidFill>
+                <a:latin typeface="Arial" panose="020B0604020202020204" pitchFamily="34" charset="0"/>
+              </a:defRPr>
+            </a:lvl6pPr>
+            <a:lvl7pPr eaLnBrk="0" fontAlgn="base" hangingPunct="0">
+              <a:spcBef>
+                <a:spcPct val="0"/>
+              </a:spcBef>
+              <a:spcAft>
+                <a:spcPct val="0"/>
+              </a:spcAft>
+              <a:defRPr>
+                <a:solidFill>
+                  <a:schemeClr val="tx1"/>
+                </a:solidFill>
+                <a:latin typeface="Arial" panose="020B0604020202020204" pitchFamily="34" charset="0"/>
+              </a:defRPr>
+            </a:lvl7pPr>
+            <a:lvl8pPr eaLnBrk="0" fontAlgn="base" hangingPunct="0">
+              <a:spcBef>
+                <a:spcPct val="0"/>
+              </a:spcBef>
+              <a:spcAft>
+                <a:spcPct val="0"/>
+              </a:spcAft>
+              <a:defRPr>
+                <a:solidFill>
+                  <a:schemeClr val="tx1"/>
+                </a:solidFill>
+                <a:latin typeface="Arial" panose="020B0604020202020204" pitchFamily="34" charset="0"/>
+              </a:defRPr>
+            </a:lvl8pPr>
+            <a:lvl9pPr eaLnBrk="0" fontAlgn="base" hangingPunct="0">
+              <a:spcBef>
+                <a:spcPct val="0"/>
+              </a:spcBef>
+              <a:spcAft>
+                <a:spcPct val="0"/>
+              </a:spcAft>
+              <a:defRPr>
+                <a:solidFill>
+                  <a:schemeClr val="tx1"/>
+                </a:solidFill>
+                <a:latin typeface="Arial" panose="020B0604020202020204" pitchFamily="34" charset="0"/>
+              </a:defRPr>
+            </a:lvl9pPr>
+          </a:lstStyle>
+          <a:p>
+            <a:pPr marL="0" marR="0" lvl="0" indent="0" algn="l" defTabSz="914400" rtl="0" eaLnBrk="0" fontAlgn="base" latinLnBrk="0" hangingPunct="0">
+              <a:lnSpc>
+                <a:spcPct val="100000"/>
+              </a:lnSpc>
+              <a:spcBef>
+                <a:spcPct val="0"/>
+              </a:spcBef>
+              <a:spcAft>
+                <a:spcPct val="0"/>
+              </a:spcAft>
+              <a:buClrTx/>
+              <a:buSzTx/>
+              <a:buFontTx/>
+              <a:buNone/>
+              <a:tabLst/>
+            </a:pPr>
+            <a:endParaRPr kumimoji="0" lang="he-IL" altLang="he-IL" sz="1800" b="0" i="0" u="none" strike="noStrike" cap="none" normalizeH="0" baseline="0" dirty="0">
+              <a:ln>
+                <a:noFill/>
+              </a:ln>
+              <a:solidFill>
+                <a:schemeClr val="tx1"/>
+              </a:solidFill>
+              <a:effectLst/>
+              <a:latin typeface="Arial" panose="020B0604020202020204" pitchFamily="34" charset="0"/>
+            </a:endParaRPr>
+          </a:p>
+        </p:txBody>
+      </p:sp>
+      <p:sp>
+        <p:nvSpPr>
+          <p:cNvPr id="6" name="Rectangle 3">
+            <a:extLst>
+              <a:ext uri="{FF2B5EF4-FFF2-40B4-BE49-F238E27FC236}">
+                <a16:creationId xmlns:a16="http://schemas.microsoft.com/office/drawing/2014/main" id="{83CD05D3-C5B4-4871-9F4D-78BA0185F9A7}"/>
+              </a:ext>
+            </a:extLst>
+          </p:cNvPr>
+          <p:cNvSpPr>
+            <a:spLocks noChangeArrowheads="1"/>
+          </p:cNvSpPr>
+          <p:nvPr/>
+        </p:nvSpPr>
+        <p:spPr bwMode="auto">
+          <a:xfrm>
+            <a:off x="0" y="-184666"/>
+            <a:ext cx="12192000" cy="369332"/>
+          </a:xfrm>
+          <a:prstGeom prst="rect">
+            <a:avLst/>
+          </a:prstGeom>
+          <a:solidFill>
+            <a:srgbClr val="FFFFFF"/>
+          </a:solidFill>
+          <a:ln>
+            <a:noFill/>
+          </a:ln>
+          <a:effectLst/>
+          <a:extLst>
+            <a:ext uri="{91240B29-F687-4F45-9708-019B960494DF}">
+              <a14:hiddenLine xmlns:a14="http://schemas.microsoft.com/office/drawing/2010/main" w="9525">
+                <a:solidFill>
+                  <a:schemeClr val="tx1"/>
+                </a:solidFill>
+                <a:miter lim="800000"/>
+                <a:headEnd/>
+                <a:tailEnd/>
+              </a14:hiddenLine>
+            </a:ext>
+            <a:ext uri="{AF507438-7753-43E0-B8FC-AC1667EBCBE1}">
+              <a14:hiddenEffects xmlns:a14="http://schemas.microsoft.com/office/drawing/2010/main">
+                <a:effectLst>
+                  <a:outerShdw dist="35921" dir="2700000" algn="ctr" rotWithShape="0">
+                    <a:schemeClr val="bg2"/>
+                  </a:outerShdw>
+                </a:effectLst>
+              </a14:hiddenEffects>
+            </a:ext>
+          </a:extLst>
+        </p:spPr>
+        <p:txBody>
+          <a:bodyPr vert="horz" wrap="square" lIns="91440" tIns="45720" rIns="91440" bIns="45720" numCol="1" anchor="ctr" anchorCtr="0" compatLnSpc="1">
+            <a:prstTxWarp prst="textNoShape">
+              <a:avLst/>
+            </a:prstTxWarp>
+            <a:spAutoFit/>
+          </a:bodyPr>
+          <a:lstStyle>
+            <a:lvl1pPr eaLnBrk="0" fontAlgn="base" hangingPunct="0">
+              <a:spcBef>
+                <a:spcPct val="0"/>
+              </a:spcBef>
+              <a:spcAft>
+                <a:spcPct val="0"/>
+              </a:spcAft>
+              <a:defRPr>
+                <a:solidFill>
+                  <a:schemeClr val="tx1"/>
+                </a:solidFill>
+                <a:latin typeface="Arial" panose="020B0604020202020204" pitchFamily="34" charset="0"/>
+              </a:defRPr>
+            </a:lvl1pPr>
+            <a:lvl2pPr eaLnBrk="0" fontAlgn="base" hangingPunct="0">
+              <a:spcBef>
+                <a:spcPct val="0"/>
+              </a:spcBef>
+              <a:spcAft>
+                <a:spcPct val="0"/>
+              </a:spcAft>
+              <a:defRPr>
+                <a:solidFill>
+                  <a:schemeClr val="tx1"/>
+                </a:solidFill>
+                <a:latin typeface="Arial" panose="020B0604020202020204" pitchFamily="34" charset="0"/>
+              </a:defRPr>
+            </a:lvl2pPr>
+            <a:lvl3pPr eaLnBrk="0" fontAlgn="base" hangingPunct="0">
+              <a:spcBef>
+                <a:spcPct val="0"/>
+              </a:spcBef>
+              <a:spcAft>
+                <a:spcPct val="0"/>
+              </a:spcAft>
+              <a:defRPr>
+                <a:solidFill>
+                  <a:schemeClr val="tx1"/>
+                </a:solidFill>
+                <a:latin typeface="Arial" panose="020B0604020202020204" pitchFamily="34" charset="0"/>
+              </a:defRPr>
+            </a:lvl3pPr>
+            <a:lvl4pPr eaLnBrk="0" fontAlgn="base" hangingPunct="0">
+              <a:spcBef>
+                <a:spcPct val="0"/>
+              </a:spcBef>
+              <a:spcAft>
+                <a:spcPct val="0"/>
+              </a:spcAft>
+              <a:defRPr>
+                <a:solidFill>
+                  <a:schemeClr val="tx1"/>
+                </a:solidFill>
+                <a:latin typeface="Arial" panose="020B0604020202020204" pitchFamily="34" charset="0"/>
+              </a:defRPr>
+            </a:lvl4pPr>
+            <a:lvl5pPr eaLnBrk="0" fontAlgn="base" hangingPunct="0">
+              <a:spcBef>
+                <a:spcPct val="0"/>
+              </a:spcBef>
+              <a:spcAft>
+                <a:spcPct val="0"/>
+              </a:spcAft>
+              <a:defRPr>
+                <a:solidFill>
+                  <a:schemeClr val="tx1"/>
+                </a:solidFill>
+                <a:latin typeface="Arial" panose="020B0604020202020204" pitchFamily="34" charset="0"/>
+              </a:defRPr>
+            </a:lvl5pPr>
+            <a:lvl6pPr eaLnBrk="0" fontAlgn="base" hangingPunct="0">
+              <a:spcBef>
+                <a:spcPct val="0"/>
+              </a:spcBef>
+              <a:spcAft>
+                <a:spcPct val="0"/>
+              </a:spcAft>
+              <a:defRPr>
+                <a:solidFill>
+                  <a:schemeClr val="tx1"/>
+                </a:solidFill>
+                <a:latin typeface="Arial" panose="020B0604020202020204" pitchFamily="34" charset="0"/>
+              </a:defRPr>
+            </a:lvl6pPr>
+            <a:lvl7pPr eaLnBrk="0" fontAlgn="base" hangingPunct="0">
+              <a:spcBef>
+                <a:spcPct val="0"/>
+              </a:spcBef>
+              <a:spcAft>
+                <a:spcPct val="0"/>
+              </a:spcAft>
+              <a:defRPr>
+                <a:solidFill>
+                  <a:schemeClr val="tx1"/>
+                </a:solidFill>
+                <a:latin typeface="Arial" panose="020B0604020202020204" pitchFamily="34" charset="0"/>
+              </a:defRPr>
+            </a:lvl7pPr>
+            <a:lvl8pPr eaLnBrk="0" fontAlgn="base" hangingPunct="0">
+              <a:spcBef>
+                <a:spcPct val="0"/>
+              </a:spcBef>
+              <a:spcAft>
+                <a:spcPct val="0"/>
+              </a:spcAft>
+              <a:defRPr>
+                <a:solidFill>
+                  <a:schemeClr val="tx1"/>
+                </a:solidFill>
+                <a:latin typeface="Arial" panose="020B0604020202020204" pitchFamily="34" charset="0"/>
+              </a:defRPr>
+            </a:lvl8pPr>
+            <a:lvl9pPr eaLnBrk="0" fontAlgn="base" hangingPunct="0">
+              <a:spcBef>
+                <a:spcPct val="0"/>
+              </a:spcBef>
+              <a:spcAft>
+                <a:spcPct val="0"/>
+              </a:spcAft>
+              <a:defRPr>
+                <a:solidFill>
+                  <a:schemeClr val="tx1"/>
+                </a:solidFill>
+                <a:latin typeface="Arial" panose="020B0604020202020204" pitchFamily="34" charset="0"/>
+              </a:defRPr>
+            </a:lvl9pPr>
+          </a:lstStyle>
+          <a:p>
+            <a:pPr marL="0" marR="0" lvl="0" indent="0" algn="l" defTabSz="914400" rtl="0" eaLnBrk="0" fontAlgn="base" latinLnBrk="0" hangingPunct="0">
+              <a:lnSpc>
+                <a:spcPct val="100000"/>
+              </a:lnSpc>
+              <a:spcBef>
+                <a:spcPct val="0"/>
+              </a:spcBef>
+              <a:spcAft>
+                <a:spcPct val="0"/>
+              </a:spcAft>
+              <a:buClrTx/>
+              <a:buSzTx/>
+              <a:buFontTx/>
+              <a:buNone/>
+              <a:tabLst/>
+            </a:pPr>
+            <a:endParaRPr kumimoji="0" lang="he-IL" altLang="he-IL" sz="1800" b="0" i="0" u="none" strike="noStrike" cap="none" normalizeH="0" baseline="0" dirty="0">
+              <a:ln>
+                <a:noFill/>
+              </a:ln>
+              <a:solidFill>
+                <a:schemeClr val="tx1"/>
+              </a:solidFill>
+              <a:effectLst/>
+              <a:latin typeface="Arial" panose="020B0604020202020204" pitchFamily="34" charset="0"/>
+            </a:endParaRPr>
           </a:p>
         </p:txBody>
       </p:sp>
@@ -5338,6 +6306,551 @@
 </file>
 
 <file path=ppt/slides/slide25.xml><?xml version="1.0" encoding="utf-8"?>
+<p:sld xmlns:a="http://schemas.openxmlformats.org/drawingml/2006/main" xmlns:r="http://schemas.openxmlformats.org/officeDocument/2006/relationships" xmlns:p="http://schemas.openxmlformats.org/presentationml/2006/main">
+  <p:cSld>
+    <p:spTree>
+      <p:nvGrpSpPr>
+        <p:cNvPr id="1" name=""/>
+        <p:cNvGrpSpPr/>
+        <p:nvPr/>
+      </p:nvGrpSpPr>
+      <p:grpSpPr>
+        <a:xfrm>
+          <a:off x="0" y="0"/>
+          <a:ext cx="0" cy="0"/>
+          <a:chOff x="0" y="0"/>
+          <a:chExt cx="0" cy="0"/>
+        </a:xfrm>
+      </p:grpSpPr>
+      <p:sp>
+        <p:nvSpPr>
+          <p:cNvPr id="2" name="Title 1">
+            <a:extLst>
+              <a:ext uri="{FF2B5EF4-FFF2-40B4-BE49-F238E27FC236}">
+                <a16:creationId xmlns:a16="http://schemas.microsoft.com/office/drawing/2014/main" id="{962E8B22-B62D-4B47-B464-E2DDC81736B2}"/>
+              </a:ext>
+            </a:extLst>
+          </p:cNvPr>
+          <p:cNvSpPr>
+            <a:spLocks noGrp="1"/>
+          </p:cNvSpPr>
+          <p:nvPr>
+            <p:ph type="title"/>
+          </p:nvPr>
+        </p:nvSpPr>
+        <p:spPr/>
+        <p:txBody>
+          <a:bodyPr/>
+          <a:lstStyle/>
+          <a:p>
+            <a:r>
+              <a:rPr lang="en-US" dirty="0"/>
+              <a:t>Calibrated probability </a:t>
+            </a:r>
+            <a:endParaRPr lang="he-IL" dirty="0"/>
+          </a:p>
+        </p:txBody>
+      </p:sp>
+      <p:pic>
+        <p:nvPicPr>
+          <p:cNvPr id="4" name="Picture 3">
+            <a:extLst>
+              <a:ext uri="{FF2B5EF4-FFF2-40B4-BE49-F238E27FC236}">
+                <a16:creationId xmlns:a16="http://schemas.microsoft.com/office/drawing/2014/main" id="{3085FC84-6040-4CDF-AB9F-AC03B27A407B}"/>
+              </a:ext>
+            </a:extLst>
+          </p:cNvPr>
+          <p:cNvPicPr>
+            <a:picLocks noChangeAspect="1"/>
+          </p:cNvPicPr>
+          <p:nvPr/>
+        </p:nvPicPr>
+        <p:blipFill>
+          <a:blip r:embed="rId2"/>
+          <a:stretch>
+            <a:fillRect/>
+          </a:stretch>
+        </p:blipFill>
+        <p:spPr>
+          <a:xfrm>
+            <a:off x="160807" y="1951239"/>
+            <a:ext cx="7449590" cy="1714739"/>
+          </a:xfrm>
+          <a:prstGeom prst="rect">
+            <a:avLst/>
+          </a:prstGeom>
+        </p:spPr>
+      </p:pic>
+      <p:pic>
+        <p:nvPicPr>
+          <p:cNvPr id="5" name="Picture 4">
+            <a:extLst>
+              <a:ext uri="{FF2B5EF4-FFF2-40B4-BE49-F238E27FC236}">
+                <a16:creationId xmlns:a16="http://schemas.microsoft.com/office/drawing/2014/main" id="{7C856546-41D4-4174-A400-5FC684CFA76B}"/>
+              </a:ext>
+            </a:extLst>
+          </p:cNvPr>
+          <p:cNvPicPr>
+            <a:picLocks noChangeAspect="1"/>
+          </p:cNvPicPr>
+          <p:nvPr/>
+        </p:nvPicPr>
+        <p:blipFill>
+          <a:blip r:embed="rId3"/>
+          <a:stretch>
+            <a:fillRect/>
+          </a:stretch>
+        </p:blipFill>
+        <p:spPr>
+          <a:xfrm>
+            <a:off x="160807" y="3880054"/>
+            <a:ext cx="7487695" cy="2543530"/>
+          </a:xfrm>
+          <a:prstGeom prst="rect">
+            <a:avLst/>
+          </a:prstGeom>
+        </p:spPr>
+      </p:pic>
+      <p:pic>
+        <p:nvPicPr>
+          <p:cNvPr id="6" name="Picture 5">
+            <a:extLst>
+              <a:ext uri="{FF2B5EF4-FFF2-40B4-BE49-F238E27FC236}">
+                <a16:creationId xmlns:a16="http://schemas.microsoft.com/office/drawing/2014/main" id="{CBB88360-BB3D-4110-8267-285AA6C985D4}"/>
+              </a:ext>
+            </a:extLst>
+          </p:cNvPr>
+          <p:cNvPicPr>
+            <a:picLocks noChangeAspect="1"/>
+          </p:cNvPicPr>
+          <p:nvPr/>
+        </p:nvPicPr>
+        <p:blipFill>
+          <a:blip r:embed="rId4"/>
+          <a:stretch>
+            <a:fillRect/>
+          </a:stretch>
+        </p:blipFill>
+        <p:spPr>
+          <a:xfrm>
+            <a:off x="7996845" y="2809981"/>
+            <a:ext cx="4210638" cy="2972215"/>
+          </a:xfrm>
+          <a:prstGeom prst="rect">
+            <a:avLst/>
+          </a:prstGeom>
+        </p:spPr>
+      </p:pic>
+    </p:spTree>
+    <p:extLst>
+      <p:ext uri="{BB962C8B-B14F-4D97-AF65-F5344CB8AC3E}">
+        <p14:creationId xmlns:p14="http://schemas.microsoft.com/office/powerpoint/2010/main" val="2824418854"/>
+      </p:ext>
+    </p:extLst>
+  </p:cSld>
+  <p:clrMapOvr>
+    <a:masterClrMapping/>
+  </p:clrMapOvr>
+</p:sld>
+</file>
+
+<file path=ppt/slides/slide26.xml><?xml version="1.0" encoding="utf-8"?>
+<p:sld xmlns:a="http://schemas.openxmlformats.org/drawingml/2006/main" xmlns:r="http://schemas.openxmlformats.org/officeDocument/2006/relationships" xmlns:p="http://schemas.openxmlformats.org/presentationml/2006/main">
+  <p:cSld>
+    <p:spTree>
+      <p:nvGrpSpPr>
+        <p:cNvPr id="1" name=""/>
+        <p:cNvGrpSpPr/>
+        <p:nvPr/>
+      </p:nvGrpSpPr>
+      <p:grpSpPr>
+        <a:xfrm>
+          <a:off x="0" y="0"/>
+          <a:ext cx="0" cy="0"/>
+          <a:chOff x="0" y="0"/>
+          <a:chExt cx="0" cy="0"/>
+        </a:xfrm>
+      </p:grpSpPr>
+      <p:sp>
+        <p:nvSpPr>
+          <p:cNvPr id="3" name="Content Placeholder 2">
+            <a:extLst>
+              <a:ext uri="{FF2B5EF4-FFF2-40B4-BE49-F238E27FC236}">
+                <a16:creationId xmlns:a16="http://schemas.microsoft.com/office/drawing/2014/main" id="{EF23CEEE-1407-4A31-AC12-EC467288ACBE}"/>
+              </a:ext>
+            </a:extLst>
+          </p:cNvPr>
+          <p:cNvSpPr>
+            <a:spLocks noGrp="1"/>
+          </p:cNvSpPr>
+          <p:nvPr>
+            <p:ph idx="1"/>
+          </p:nvPr>
+        </p:nvSpPr>
+        <p:spPr>
+          <a:xfrm>
+            <a:off x="478200" y="370898"/>
+            <a:ext cx="10515600" cy="4351338"/>
+          </a:xfrm>
+        </p:spPr>
+        <p:txBody>
+          <a:bodyPr/>
+          <a:lstStyle/>
+          <a:p>
+            <a:r>
+              <a:rPr lang="en-US" dirty="0"/>
+              <a:t>Log </a:t>
+            </a:r>
+            <a:r>
+              <a:rPr lang="en-US" dirty="0" err="1"/>
+              <a:t>reg</a:t>
+            </a:r>
+            <a:r>
+              <a:rPr lang="en-US" dirty="0"/>
+              <a:t>                                              Calibrated  Random Forest</a:t>
+            </a:r>
+          </a:p>
+          <a:p>
+            <a:endParaRPr lang="en-US" dirty="0"/>
+          </a:p>
+          <a:p>
+            <a:endParaRPr lang="en-US" dirty="0"/>
+          </a:p>
+          <a:p>
+            <a:endParaRPr lang="en-US" dirty="0"/>
+          </a:p>
+          <a:p>
+            <a:endParaRPr lang="en-US" dirty="0"/>
+          </a:p>
+          <a:p>
+            <a:endParaRPr lang="en-US" dirty="0"/>
+          </a:p>
+          <a:p>
+            <a:r>
+              <a:rPr lang="en-US" dirty="0" err="1"/>
+              <a:t>RandomForestClassifier</a:t>
+            </a:r>
+            <a:endParaRPr lang="he-IL" dirty="0"/>
+          </a:p>
+        </p:txBody>
+      </p:sp>
+      <p:pic>
+        <p:nvPicPr>
+          <p:cNvPr id="4" name="Picture 3">
+            <a:extLst>
+              <a:ext uri="{FF2B5EF4-FFF2-40B4-BE49-F238E27FC236}">
+                <a16:creationId xmlns:a16="http://schemas.microsoft.com/office/drawing/2014/main" id="{0944A369-AD7C-4367-AFD8-EE67D78CA8CC}"/>
+              </a:ext>
+            </a:extLst>
+          </p:cNvPr>
+          <p:cNvPicPr>
+            <a:picLocks noChangeAspect="1"/>
+          </p:cNvPicPr>
+          <p:nvPr/>
+        </p:nvPicPr>
+        <p:blipFill>
+          <a:blip r:embed="rId2"/>
+          <a:stretch>
+            <a:fillRect/>
+          </a:stretch>
+        </p:blipFill>
+        <p:spPr>
+          <a:xfrm>
+            <a:off x="782427" y="1008120"/>
+            <a:ext cx="3817282" cy="2450061"/>
+          </a:xfrm>
+          <a:prstGeom prst="rect">
+            <a:avLst/>
+          </a:prstGeom>
+        </p:spPr>
+      </p:pic>
+      <p:pic>
+        <p:nvPicPr>
+          <p:cNvPr id="5" name="Picture 4">
+            <a:extLst>
+              <a:ext uri="{FF2B5EF4-FFF2-40B4-BE49-F238E27FC236}">
+                <a16:creationId xmlns:a16="http://schemas.microsoft.com/office/drawing/2014/main" id="{406679D0-0FA7-43B8-8A2F-4424FA2DF8BB}"/>
+              </a:ext>
+            </a:extLst>
+          </p:cNvPr>
+          <p:cNvPicPr>
+            <a:picLocks noChangeAspect="1"/>
+          </p:cNvPicPr>
+          <p:nvPr/>
+        </p:nvPicPr>
+        <p:blipFill>
+          <a:blip r:embed="rId3"/>
+          <a:stretch>
+            <a:fillRect/>
+          </a:stretch>
+        </p:blipFill>
+        <p:spPr>
+          <a:xfrm>
+            <a:off x="5736000" y="1065278"/>
+            <a:ext cx="4424560" cy="2832721"/>
+          </a:xfrm>
+          <a:prstGeom prst="rect">
+            <a:avLst/>
+          </a:prstGeom>
+        </p:spPr>
+      </p:pic>
+      <p:pic>
+        <p:nvPicPr>
+          <p:cNvPr id="6" name="Picture 5">
+            <a:extLst>
+              <a:ext uri="{FF2B5EF4-FFF2-40B4-BE49-F238E27FC236}">
+                <a16:creationId xmlns:a16="http://schemas.microsoft.com/office/drawing/2014/main" id="{2EE8E3C5-5E77-4091-99BE-DAF94FD8170C}"/>
+              </a:ext>
+            </a:extLst>
+          </p:cNvPr>
+          <p:cNvPicPr>
+            <a:picLocks noChangeAspect="1"/>
+          </p:cNvPicPr>
+          <p:nvPr/>
+        </p:nvPicPr>
+        <p:blipFill>
+          <a:blip r:embed="rId4"/>
+          <a:stretch>
+            <a:fillRect/>
+          </a:stretch>
+        </p:blipFill>
+        <p:spPr>
+          <a:xfrm>
+            <a:off x="478200" y="3897999"/>
+            <a:ext cx="4310133" cy="2832722"/>
+          </a:xfrm>
+          <a:prstGeom prst="rect">
+            <a:avLst/>
+          </a:prstGeom>
+        </p:spPr>
+      </p:pic>
+    </p:spTree>
+    <p:extLst>
+      <p:ext uri="{BB962C8B-B14F-4D97-AF65-F5344CB8AC3E}">
+        <p14:creationId xmlns:p14="http://schemas.microsoft.com/office/powerpoint/2010/main" val="2180333592"/>
+      </p:ext>
+    </p:extLst>
+  </p:cSld>
+  <p:clrMapOvr>
+    <a:masterClrMapping/>
+  </p:clrMapOvr>
+</p:sld>
+</file>
+
+<file path=ppt/slides/slide27.xml><?xml version="1.0" encoding="utf-8"?>
+<p:sld xmlns:a="http://schemas.openxmlformats.org/drawingml/2006/main" xmlns:r="http://schemas.openxmlformats.org/officeDocument/2006/relationships" xmlns:p="http://schemas.openxmlformats.org/presentationml/2006/main">
+  <p:cSld>
+    <p:spTree>
+      <p:nvGrpSpPr>
+        <p:cNvPr id="1" name=""/>
+        <p:cNvGrpSpPr/>
+        <p:nvPr/>
+      </p:nvGrpSpPr>
+      <p:grpSpPr>
+        <a:xfrm>
+          <a:off x="0" y="0"/>
+          <a:ext cx="0" cy="0"/>
+          <a:chOff x="0" y="0"/>
+          <a:chExt cx="0" cy="0"/>
+        </a:xfrm>
+      </p:grpSpPr>
+      <p:sp>
+        <p:nvSpPr>
+          <p:cNvPr id="2" name="Title 1">
+            <a:extLst>
+              <a:ext uri="{FF2B5EF4-FFF2-40B4-BE49-F238E27FC236}">
+                <a16:creationId xmlns:a16="http://schemas.microsoft.com/office/drawing/2014/main" id="{9954BACC-D4AA-4D0F-80CE-CE20DBAE2403}"/>
+              </a:ext>
+            </a:extLst>
+          </p:cNvPr>
+          <p:cNvSpPr>
+            <a:spLocks noGrp="1"/>
+          </p:cNvSpPr>
+          <p:nvPr>
+            <p:ph type="title"/>
+          </p:nvPr>
+        </p:nvSpPr>
+        <p:spPr/>
+        <p:txBody>
+          <a:bodyPr/>
+          <a:lstStyle/>
+          <a:p>
+            <a:r>
+              <a:rPr lang="en-US" dirty="0"/>
+              <a:t>More graphs</a:t>
+            </a:r>
+            <a:endParaRPr lang="he-IL" dirty="0"/>
+          </a:p>
+        </p:txBody>
+      </p:sp>
+      <p:sp>
+        <p:nvSpPr>
+          <p:cNvPr id="3" name="Content Placeholder 2">
+            <a:extLst>
+              <a:ext uri="{FF2B5EF4-FFF2-40B4-BE49-F238E27FC236}">
+                <a16:creationId xmlns:a16="http://schemas.microsoft.com/office/drawing/2014/main" id="{9E885CB3-E124-4BFD-93BC-09E913232232}"/>
+              </a:ext>
+            </a:extLst>
+          </p:cNvPr>
+          <p:cNvSpPr>
+            <a:spLocks noGrp="1"/>
+          </p:cNvSpPr>
+          <p:nvPr>
+            <p:ph idx="1"/>
+          </p:nvPr>
+        </p:nvSpPr>
+        <p:spPr/>
+        <p:txBody>
+          <a:bodyPr/>
+          <a:lstStyle/>
+          <a:p>
+            <a:r>
+              <a:rPr lang="en-US" dirty="0"/>
+              <a:t>RF cv = 5</a:t>
+            </a:r>
+          </a:p>
+          <a:p>
+            <a:endParaRPr lang="en-US" dirty="0"/>
+          </a:p>
+          <a:p>
+            <a:r>
+              <a:rPr lang="en-US" dirty="0"/>
+              <a:t>RF cv= “</a:t>
+            </a:r>
+            <a:r>
+              <a:rPr lang="en-US" dirty="0" err="1"/>
+              <a:t>prefit</a:t>
+            </a:r>
+            <a:r>
+              <a:rPr lang="en-US" dirty="0"/>
+              <a:t>”</a:t>
+            </a:r>
+          </a:p>
+          <a:p>
+            <a:endParaRPr lang="en-US" dirty="0"/>
+          </a:p>
+          <a:p>
+            <a:endParaRPr lang="en-US" dirty="0"/>
+          </a:p>
+          <a:p>
+            <a:endParaRPr lang="en-US" dirty="0"/>
+          </a:p>
+          <a:p>
+            <a:endParaRPr lang="en-US" dirty="0"/>
+          </a:p>
+          <a:p>
+            <a:r>
+              <a:rPr lang="en-US" dirty="0"/>
+              <a:t>RF sigmoid </a:t>
+            </a:r>
+            <a:endParaRPr lang="he-IL" dirty="0"/>
+          </a:p>
+        </p:txBody>
+      </p:sp>
+      <p:pic>
+        <p:nvPicPr>
+          <p:cNvPr id="5" name="Picture 4">
+            <a:extLst>
+              <a:ext uri="{FF2B5EF4-FFF2-40B4-BE49-F238E27FC236}">
+                <a16:creationId xmlns:a16="http://schemas.microsoft.com/office/drawing/2014/main" id="{33CE24D8-54CE-445E-8F69-462FC4AAED99}"/>
+              </a:ext>
+            </a:extLst>
+          </p:cNvPr>
+          <p:cNvPicPr>
+            <a:picLocks noChangeAspect="1"/>
+          </p:cNvPicPr>
+          <p:nvPr/>
+        </p:nvPicPr>
+        <p:blipFill>
+          <a:blip r:embed="rId2"/>
+          <a:stretch>
+            <a:fillRect/>
+          </a:stretch>
+        </p:blipFill>
+        <p:spPr>
+          <a:xfrm>
+            <a:off x="4297589" y="1418848"/>
+            <a:ext cx="3248478" cy="2124371"/>
+          </a:xfrm>
+          <a:prstGeom prst="rect">
+            <a:avLst/>
+          </a:prstGeom>
+        </p:spPr>
+      </p:pic>
+      <p:pic>
+        <p:nvPicPr>
+          <p:cNvPr id="9" name="Picture 8">
+            <a:extLst>
+              <a:ext uri="{FF2B5EF4-FFF2-40B4-BE49-F238E27FC236}">
+                <a16:creationId xmlns:a16="http://schemas.microsoft.com/office/drawing/2014/main" id="{59A1A308-EEF2-41FF-A801-F09E2723F01D}"/>
+              </a:ext>
+            </a:extLst>
+          </p:cNvPr>
+          <p:cNvPicPr>
+            <a:picLocks noChangeAspect="1"/>
+          </p:cNvPicPr>
+          <p:nvPr/>
+        </p:nvPicPr>
+        <p:blipFill>
+          <a:blip r:embed="rId3"/>
+          <a:stretch>
+            <a:fillRect/>
+          </a:stretch>
+        </p:blipFill>
+        <p:spPr>
+          <a:xfrm>
+            <a:off x="1042282" y="3276675"/>
+            <a:ext cx="3429479" cy="2162477"/>
+          </a:xfrm>
+          <a:prstGeom prst="rect">
+            <a:avLst/>
+          </a:prstGeom>
+        </p:spPr>
+      </p:pic>
+      <p:pic>
+        <p:nvPicPr>
+          <p:cNvPr id="10" name="Picture 9">
+            <a:extLst>
+              <a:ext uri="{FF2B5EF4-FFF2-40B4-BE49-F238E27FC236}">
+                <a16:creationId xmlns:a16="http://schemas.microsoft.com/office/drawing/2014/main" id="{E5C08F6A-A3CB-4491-95B3-6EFBAA49FD7E}"/>
+              </a:ext>
+            </a:extLst>
+          </p:cNvPr>
+          <p:cNvPicPr>
+            <a:picLocks noChangeAspect="1"/>
+          </p:cNvPicPr>
+          <p:nvPr/>
+        </p:nvPicPr>
+        <p:blipFill>
+          <a:blip r:embed="rId4"/>
+          <a:stretch>
+            <a:fillRect/>
+          </a:stretch>
+        </p:blipFill>
+        <p:spPr>
+          <a:xfrm>
+            <a:off x="4540459" y="4584161"/>
+            <a:ext cx="3372321" cy="2238687"/>
+          </a:xfrm>
+          <a:prstGeom prst="rect">
+            <a:avLst/>
+          </a:prstGeom>
+        </p:spPr>
+      </p:pic>
+    </p:spTree>
+    <p:extLst>
+      <p:ext uri="{BB962C8B-B14F-4D97-AF65-F5344CB8AC3E}">
+        <p14:creationId xmlns:p14="http://schemas.microsoft.com/office/powerpoint/2010/main" val="2584733019"/>
+      </p:ext>
+    </p:extLst>
+  </p:cSld>
+  <p:clrMapOvr>
+    <a:masterClrMapping/>
+  </p:clrMapOvr>
+</p:sld>
+</file>
+
+<file path=ppt/slides/slide28.xml><?xml version="1.0" encoding="utf-8"?>
 <p:sld xmlns:a="http://schemas.openxmlformats.org/drawingml/2006/main" xmlns:r="http://schemas.openxmlformats.org/officeDocument/2006/relationships" xmlns:p="http://schemas.openxmlformats.org/presentationml/2006/main">
   <p:cSld>
     <p:spTree>
@@ -5461,7 +6974,7 @@
 </p:sld>
 </file>
 
-<file path=ppt/slides/slide26.xml><?xml version="1.0" encoding="utf-8"?>
+<file path=ppt/slides/slide29.xml><?xml version="1.0" encoding="utf-8"?>
 <p:sld xmlns:a="http://schemas.openxmlformats.org/drawingml/2006/main" xmlns:r="http://schemas.openxmlformats.org/officeDocument/2006/relationships" xmlns:p="http://schemas.openxmlformats.org/presentationml/2006/main">
   <p:cSld>
     <p:spTree>
@@ -5730,149 +7243,6 @@
 </p:sld>
 </file>
 
-<file path=ppt/slides/slide27.xml><?xml version="1.0" encoding="utf-8"?>
-<p:sld xmlns:a="http://schemas.openxmlformats.org/drawingml/2006/main" xmlns:r="http://schemas.openxmlformats.org/officeDocument/2006/relationships" xmlns:p="http://schemas.openxmlformats.org/presentationml/2006/main">
-  <p:cSld>
-    <p:spTree>
-      <p:nvGrpSpPr>
-        <p:cNvPr id="1" name=""/>
-        <p:cNvGrpSpPr/>
-        <p:nvPr/>
-      </p:nvGrpSpPr>
-      <p:grpSpPr>
-        <a:xfrm>
-          <a:off x="0" y="0"/>
-          <a:ext cx="0" cy="0"/>
-          <a:chOff x="0" y="0"/>
-          <a:chExt cx="0" cy="0"/>
-        </a:xfrm>
-      </p:grpSpPr>
-      <p:sp>
-        <p:nvSpPr>
-          <p:cNvPr id="2" name="Title 1">
-            <a:extLst>
-              <a:ext uri="{FF2B5EF4-FFF2-40B4-BE49-F238E27FC236}">
-                <a16:creationId xmlns:a16="http://schemas.microsoft.com/office/drawing/2014/main" id="{9A22231F-F86C-43F8-BD7B-D778B4C815E0}"/>
-              </a:ext>
-            </a:extLst>
-          </p:cNvPr>
-          <p:cNvSpPr>
-            <a:spLocks noGrp="1"/>
-          </p:cNvSpPr>
-          <p:nvPr>
-            <p:ph type="title"/>
-          </p:nvPr>
-        </p:nvSpPr>
-        <p:spPr/>
-        <p:txBody>
-          <a:bodyPr/>
-          <a:lstStyle/>
-          <a:p>
-            <a:r>
-              <a:rPr lang="en-US" dirty="0"/>
-              <a:t>What’s now?</a:t>
-            </a:r>
-            <a:endParaRPr lang="he-IL" dirty="0"/>
-          </a:p>
-        </p:txBody>
-      </p:sp>
-      <p:sp>
-        <p:nvSpPr>
-          <p:cNvPr id="3" name="Content Placeholder 2">
-            <a:extLst>
-              <a:ext uri="{FF2B5EF4-FFF2-40B4-BE49-F238E27FC236}">
-                <a16:creationId xmlns:a16="http://schemas.microsoft.com/office/drawing/2014/main" id="{56DD2A45-6B02-4685-B885-A22086A50E6D}"/>
-              </a:ext>
-            </a:extLst>
-          </p:cNvPr>
-          <p:cNvSpPr>
-            <a:spLocks noGrp="1"/>
-          </p:cNvSpPr>
-          <p:nvPr>
-            <p:ph idx="1"/>
-          </p:nvPr>
-        </p:nvSpPr>
-        <p:spPr/>
-        <p:txBody>
-          <a:bodyPr/>
-          <a:lstStyle/>
-          <a:p>
-            <a:pPr marL="0" indent="0">
-              <a:buNone/>
-            </a:pPr>
-            <a:r>
-              <a:rPr lang="en-US" dirty="0"/>
-              <a:t>Code review</a:t>
-            </a:r>
-          </a:p>
-          <a:p>
-            <a:pPr marL="0" indent="0">
-              <a:buNone/>
-            </a:pPr>
-            <a:endParaRPr lang="en-US" dirty="0"/>
-          </a:p>
-          <a:p>
-            <a:pPr marL="0" indent="0">
-              <a:buNone/>
-            </a:pPr>
-            <a:r>
-              <a:rPr lang="en-US" dirty="0"/>
-              <a:t>Grid search &amp; other </a:t>
-            </a:r>
-            <a:r>
-              <a:rPr lang="en-US" dirty="0" err="1"/>
-              <a:t>algos</a:t>
-            </a:r>
-            <a:endParaRPr lang="en-US" dirty="0"/>
-          </a:p>
-          <a:p>
-            <a:pPr marL="0" indent="0">
-              <a:buNone/>
-            </a:pPr>
-            <a:endParaRPr lang="en-US" dirty="0"/>
-          </a:p>
-          <a:p>
-            <a:pPr marL="0" indent="0">
-              <a:buNone/>
-            </a:pPr>
-            <a:r>
-              <a:rPr lang="en-US" dirty="0"/>
-              <a:t>Clustering &amp; unsupervised learning  </a:t>
-            </a:r>
-          </a:p>
-          <a:p>
-            <a:pPr marL="0" indent="0">
-              <a:buNone/>
-            </a:pPr>
-            <a:endParaRPr lang="en-US" dirty="0"/>
-          </a:p>
-          <a:p>
-            <a:pPr marL="0" indent="0">
-              <a:buNone/>
-            </a:pPr>
-            <a:endParaRPr lang="en-US" dirty="0"/>
-          </a:p>
-          <a:p>
-            <a:pPr marL="0" indent="0">
-              <a:buNone/>
-            </a:pPr>
-            <a:endParaRPr lang="he-IL" i="1" dirty="0"/>
-          </a:p>
-        </p:txBody>
-      </p:sp>
-    </p:spTree>
-    <p:extLst>
-      <p:ext uri="{BB962C8B-B14F-4D97-AF65-F5344CB8AC3E}">
-        <p14:creationId xmlns:p14="http://schemas.microsoft.com/office/powerpoint/2010/main" val="1605050243"/>
-      </p:ext>
-    </p:extLst>
-  </p:cSld>
-  <p:clrMapOvr>
-    <a:masterClrMapping/>
-  </p:clrMapOvr>
-</p:sld>
-</file>
-
 <file path=ppt/slides/slide3.xml><?xml version="1.0" encoding="utf-8"?>
 <p:sld xmlns:a="http://schemas.openxmlformats.org/drawingml/2006/main" xmlns:r="http://schemas.openxmlformats.org/officeDocument/2006/relationships" xmlns:p="http://schemas.openxmlformats.org/presentationml/2006/main">
   <p:cSld>
@@ -5981,6 +7351,144 @@
     <p:extLst>
       <p:ext uri="{BB962C8B-B14F-4D97-AF65-F5344CB8AC3E}">
         <p14:creationId xmlns:p14="http://schemas.microsoft.com/office/powerpoint/2010/main" val="709082585"/>
+      </p:ext>
+    </p:extLst>
+  </p:cSld>
+  <p:clrMapOvr>
+    <a:masterClrMapping/>
+  </p:clrMapOvr>
+</p:sld>
+</file>
+
+<file path=ppt/slides/slide30.xml><?xml version="1.0" encoding="utf-8"?>
+<p:sld xmlns:a="http://schemas.openxmlformats.org/drawingml/2006/main" xmlns:r="http://schemas.openxmlformats.org/officeDocument/2006/relationships" xmlns:p="http://schemas.openxmlformats.org/presentationml/2006/main">
+  <p:cSld>
+    <p:spTree>
+      <p:nvGrpSpPr>
+        <p:cNvPr id="1" name=""/>
+        <p:cNvGrpSpPr/>
+        <p:nvPr/>
+      </p:nvGrpSpPr>
+      <p:grpSpPr>
+        <a:xfrm>
+          <a:off x="0" y="0"/>
+          <a:ext cx="0" cy="0"/>
+          <a:chOff x="0" y="0"/>
+          <a:chExt cx="0" cy="0"/>
+        </a:xfrm>
+      </p:grpSpPr>
+      <p:sp>
+        <p:nvSpPr>
+          <p:cNvPr id="2" name="Title 1">
+            <a:extLst>
+              <a:ext uri="{FF2B5EF4-FFF2-40B4-BE49-F238E27FC236}">
+                <a16:creationId xmlns:a16="http://schemas.microsoft.com/office/drawing/2014/main" id="{9A22231F-F86C-43F8-BD7B-D778B4C815E0}"/>
+              </a:ext>
+            </a:extLst>
+          </p:cNvPr>
+          <p:cNvSpPr>
+            <a:spLocks noGrp="1"/>
+          </p:cNvSpPr>
+          <p:nvPr>
+            <p:ph type="title"/>
+          </p:nvPr>
+        </p:nvSpPr>
+        <p:spPr/>
+        <p:txBody>
+          <a:bodyPr/>
+          <a:lstStyle/>
+          <a:p>
+            <a:r>
+              <a:rPr lang="en-US" dirty="0"/>
+              <a:t>What’s now?</a:t>
+            </a:r>
+            <a:endParaRPr lang="he-IL" dirty="0"/>
+          </a:p>
+        </p:txBody>
+      </p:sp>
+      <p:sp>
+        <p:nvSpPr>
+          <p:cNvPr id="3" name="Content Placeholder 2">
+            <a:extLst>
+              <a:ext uri="{FF2B5EF4-FFF2-40B4-BE49-F238E27FC236}">
+                <a16:creationId xmlns:a16="http://schemas.microsoft.com/office/drawing/2014/main" id="{56DD2A45-6B02-4685-B885-A22086A50E6D}"/>
+              </a:ext>
+            </a:extLst>
+          </p:cNvPr>
+          <p:cNvSpPr>
+            <a:spLocks noGrp="1"/>
+          </p:cNvSpPr>
+          <p:nvPr>
+            <p:ph idx="1"/>
+          </p:nvPr>
+        </p:nvSpPr>
+        <p:spPr/>
+        <p:txBody>
+          <a:bodyPr/>
+          <a:lstStyle/>
+          <a:p>
+            <a:pPr marL="0" indent="0">
+              <a:buNone/>
+            </a:pPr>
+            <a:r>
+              <a:rPr lang="en-US" dirty="0"/>
+              <a:t>Code review</a:t>
+            </a:r>
+          </a:p>
+          <a:p>
+            <a:pPr marL="0" indent="0">
+              <a:buNone/>
+            </a:pPr>
+            <a:endParaRPr lang="en-US" dirty="0"/>
+          </a:p>
+          <a:p>
+            <a:pPr marL="0" indent="0">
+              <a:buNone/>
+            </a:pPr>
+            <a:r>
+              <a:rPr lang="en-US" dirty="0"/>
+              <a:t>Grid search &amp; other models</a:t>
+            </a:r>
+          </a:p>
+          <a:p>
+            <a:pPr marL="0" indent="0">
+              <a:buNone/>
+            </a:pPr>
+            <a:endParaRPr lang="en-US" dirty="0"/>
+          </a:p>
+          <a:p>
+            <a:pPr marL="0" indent="0">
+              <a:buNone/>
+            </a:pPr>
+            <a:r>
+              <a:rPr lang="en-US" dirty="0"/>
+              <a:t>Clustering &amp; unsupervised learning  </a:t>
+            </a:r>
+          </a:p>
+          <a:p>
+            <a:pPr marL="0" indent="0">
+              <a:buNone/>
+            </a:pPr>
+            <a:endParaRPr lang="en-US" dirty="0"/>
+          </a:p>
+          <a:p>
+            <a:pPr marL="0" indent="0">
+              <a:buNone/>
+            </a:pPr>
+            <a:endParaRPr lang="en-US" dirty="0"/>
+          </a:p>
+          <a:p>
+            <a:pPr marL="0" indent="0">
+              <a:buNone/>
+            </a:pPr>
+            <a:endParaRPr lang="he-IL" i="1" dirty="0"/>
+          </a:p>
+        </p:txBody>
+      </p:sp>
+    </p:spTree>
+    <p:extLst>
+      <p:ext uri="{BB962C8B-B14F-4D97-AF65-F5344CB8AC3E}">
+        <p14:creationId xmlns:p14="http://schemas.microsoft.com/office/powerpoint/2010/main" val="1605050243"/>
       </p:ext>
     </p:extLst>
   </p:cSld>
@@ -6669,12 +8177,8 @@
           <a:lstStyle/>
           <a:p>
             <a:r>
-              <a:rPr lang="en-US" dirty="0" err="1"/>
-              <a:t>Unifomal</a:t>
-            </a:r>
-            <a:r>
-              <a:rPr lang="en-US" dirty="0"/>
-              <a:t> features</a:t>
+              <a:rPr lang="en-US" dirty="0"/>
+              <a:t>uniform features</a:t>
             </a:r>
           </a:p>
         </p:txBody>
